--- a/Presentation/PyTorial.pptx
+++ b/Presentation/PyTorial.pptx
@@ -207,7 +207,7 @@
           <a:p>
             <a:fld id="{23B04D60-D489-4663-ACD3-DB0778FC00E9}" type="datetimeFigureOut">
               <a:rPr lang="ru-RU" smtClean="0"/>
-              <a:t>09.11.2022</a:t>
+              <a:t>10.11.2022</a:t>
             </a:fld>
             <a:endParaRPr lang="ru-RU"/>
           </a:p>
@@ -740,7 +740,7 @@
           <a:p>
             <a:fld id="{B4C71EC6-210F-42DE-9C53-41977AD35B3D}" type="datetimeFigureOut">
               <a:rPr lang="ru-RU" smtClean="0"/>
-              <a:t>09.11.2022</a:t>
+              <a:t>10.11.2022</a:t>
             </a:fld>
             <a:endParaRPr lang="ru-RU"/>
           </a:p>
@@ -905,7 +905,7 @@
           <a:p>
             <a:fld id="{B4C71EC6-210F-42DE-9C53-41977AD35B3D}" type="datetimeFigureOut">
               <a:rPr lang="ru-RU" smtClean="0"/>
-              <a:t>09.11.2022</a:t>
+              <a:t>10.11.2022</a:t>
             </a:fld>
             <a:endParaRPr lang="ru-RU"/>
           </a:p>
@@ -1080,7 +1080,7 @@
           <a:p>
             <a:fld id="{B4C71EC6-210F-42DE-9C53-41977AD35B3D}" type="datetimeFigureOut">
               <a:rPr lang="ru-RU" smtClean="0"/>
-              <a:t>09.11.2022</a:t>
+              <a:t>10.11.2022</a:t>
             </a:fld>
             <a:endParaRPr lang="ru-RU"/>
           </a:p>
@@ -1245,7 +1245,7 @@
           <a:p>
             <a:fld id="{B4C71EC6-210F-42DE-9C53-41977AD35B3D}" type="datetimeFigureOut">
               <a:rPr lang="ru-RU" smtClean="0"/>
-              <a:t>09.11.2022</a:t>
+              <a:t>10.11.2022</a:t>
             </a:fld>
             <a:endParaRPr lang="ru-RU"/>
           </a:p>
@@ -1486,7 +1486,7 @@
           <a:p>
             <a:fld id="{B4C71EC6-210F-42DE-9C53-41977AD35B3D}" type="datetimeFigureOut">
               <a:rPr lang="ru-RU" smtClean="0"/>
-              <a:t>09.11.2022</a:t>
+              <a:t>10.11.2022</a:t>
             </a:fld>
             <a:endParaRPr lang="ru-RU"/>
           </a:p>
@@ -1769,7 +1769,7 @@
           <a:p>
             <a:fld id="{B4C71EC6-210F-42DE-9C53-41977AD35B3D}" type="datetimeFigureOut">
               <a:rPr lang="ru-RU" smtClean="0"/>
-              <a:t>09.11.2022</a:t>
+              <a:t>10.11.2022</a:t>
             </a:fld>
             <a:endParaRPr lang="ru-RU"/>
           </a:p>
@@ -2186,7 +2186,7 @@
           <a:p>
             <a:fld id="{B4C71EC6-210F-42DE-9C53-41977AD35B3D}" type="datetimeFigureOut">
               <a:rPr lang="ru-RU" smtClean="0"/>
-              <a:t>09.11.2022</a:t>
+              <a:t>10.11.2022</a:t>
             </a:fld>
             <a:endParaRPr lang="ru-RU"/>
           </a:p>
@@ -2299,7 +2299,7 @@
           <a:p>
             <a:fld id="{B4C71EC6-210F-42DE-9C53-41977AD35B3D}" type="datetimeFigureOut">
               <a:rPr lang="ru-RU" smtClean="0"/>
-              <a:t>09.11.2022</a:t>
+              <a:t>10.11.2022</a:t>
             </a:fld>
             <a:endParaRPr lang="ru-RU"/>
           </a:p>
@@ -2389,7 +2389,7 @@
           <a:p>
             <a:fld id="{B4C71EC6-210F-42DE-9C53-41977AD35B3D}" type="datetimeFigureOut">
               <a:rPr lang="ru-RU" smtClean="0"/>
-              <a:t>09.11.2022</a:t>
+              <a:t>10.11.2022</a:t>
             </a:fld>
             <a:endParaRPr lang="ru-RU"/>
           </a:p>
@@ -2661,7 +2661,7 @@
           <a:p>
             <a:fld id="{B4C71EC6-210F-42DE-9C53-41977AD35B3D}" type="datetimeFigureOut">
               <a:rPr lang="ru-RU" smtClean="0"/>
-              <a:t>09.11.2022</a:t>
+              <a:t>10.11.2022</a:t>
             </a:fld>
             <a:endParaRPr lang="ru-RU"/>
           </a:p>
@@ -2909,7 +2909,7 @@
           <a:p>
             <a:fld id="{B4C71EC6-210F-42DE-9C53-41977AD35B3D}" type="datetimeFigureOut">
               <a:rPr lang="ru-RU" smtClean="0"/>
-              <a:t>09.11.2022</a:t>
+              <a:t>10.11.2022</a:t>
             </a:fld>
             <a:endParaRPr lang="ru-RU"/>
           </a:p>
@@ -3117,7 +3117,7 @@
           <a:p>
             <a:fld id="{B4C71EC6-210F-42DE-9C53-41977AD35B3D}" type="datetimeFigureOut">
               <a:rPr lang="ru-RU" smtClean="0"/>
-              <a:t>09.11.2022</a:t>
+              <a:t>10.11.2022</a:t>
             </a:fld>
             <a:endParaRPr lang="ru-RU"/>
           </a:p>
@@ -3580,13 +3580,13 @@
   <p:clrMapOvr>
     <a:masterClrMapping/>
   </p:clrMapOvr>
-  <mc:AlternateContent xmlns:mc="http://schemas.openxmlformats.org/markup-compatibility/2006">
-    <mc:Choice xmlns:p14="http://schemas.microsoft.com/office/powerpoint/2010/main" Requires="p14">
+  <mc:AlternateContent xmlns:mc="http://schemas.openxmlformats.org/markup-compatibility/2006" xmlns:p14="http://schemas.microsoft.com/office/powerpoint/2010/main">
+    <mc:Choice Requires="p14">
       <p:transition spd="slow" p14:dur="1500">
         <p:split orient="vert"/>
       </p:transition>
     </mc:Choice>
-    <mc:Fallback>
+    <mc:Fallback xmlns="">
       <p:transition spd="slow">
         <p:split orient="vert"/>
       </p:transition>
@@ -4335,13 +4335,13 @@
   <p:clrMapOvr>
     <a:masterClrMapping/>
   </p:clrMapOvr>
-  <mc:AlternateContent xmlns:mc="http://schemas.openxmlformats.org/markup-compatibility/2006">
-    <mc:Choice xmlns:p14="http://schemas.microsoft.com/office/powerpoint/2010/main" Requires="p14">
+  <mc:AlternateContent xmlns:mc="http://schemas.openxmlformats.org/markup-compatibility/2006" xmlns:p14="http://schemas.microsoft.com/office/powerpoint/2010/main">
+    <mc:Choice Requires="p14">
       <p:transition spd="slow" p14:dur="4400">
         <p14:honeycomb/>
       </p:transition>
     </mc:Choice>
-    <mc:Fallback>
+    <mc:Fallback xmlns="">
       <p:transition spd="slow">
         <p:fade/>
       </p:transition>
@@ -4467,13 +4467,13 @@
   <p:clrMapOvr>
     <a:masterClrMapping/>
   </p:clrMapOvr>
-  <mc:AlternateContent xmlns:mc="http://schemas.openxmlformats.org/markup-compatibility/2006">
-    <mc:Choice xmlns:p14="http://schemas.microsoft.com/office/powerpoint/2010/main" Requires="p14">
+  <mc:AlternateContent xmlns:mc="http://schemas.openxmlformats.org/markup-compatibility/2006" xmlns:p14="http://schemas.microsoft.com/office/powerpoint/2010/main">
+    <mc:Choice Requires="p14">
       <p:transition spd="slow" p14:dur="1200">
         <p14:flip dir="r"/>
       </p:transition>
     </mc:Choice>
-    <mc:Fallback>
+    <mc:Fallback xmlns="">
       <p:transition spd="slow">
         <p:fade/>
       </p:transition>
@@ -4599,13 +4599,13 @@
   <p:clrMapOvr>
     <a:masterClrMapping/>
   </p:clrMapOvr>
-  <mc:AlternateContent xmlns:mc="http://schemas.openxmlformats.org/markup-compatibility/2006">
-    <mc:Choice xmlns:p14="http://schemas.microsoft.com/office/powerpoint/2010/main" Requires="p14">
+  <mc:AlternateContent xmlns:mc="http://schemas.openxmlformats.org/markup-compatibility/2006" xmlns:p14="http://schemas.microsoft.com/office/powerpoint/2010/main">
+    <mc:Choice Requires="p14">
       <p:transition spd="slow" p14:dur="1600">
         <p:blinds dir="vert"/>
       </p:transition>
     </mc:Choice>
-    <mc:Fallback>
+    <mc:Fallback xmlns="">
       <p:transition spd="slow">
         <p:blinds dir="vert"/>
       </p:transition>
@@ -4731,13 +4731,13 @@
   <p:clrMapOvr>
     <a:masterClrMapping/>
   </p:clrMapOvr>
-  <mc:AlternateContent xmlns:mc="http://schemas.openxmlformats.org/markup-compatibility/2006">
-    <mc:Choice xmlns:p14="http://schemas.microsoft.com/office/powerpoint/2010/main" Requires="p14">
+  <mc:AlternateContent xmlns:mc="http://schemas.openxmlformats.org/markup-compatibility/2006" xmlns:p14="http://schemas.microsoft.com/office/powerpoint/2010/main">
+    <mc:Choice Requires="p14">
       <p:transition spd="slow" p14:dur="1400">
         <p14:ripple/>
       </p:transition>
     </mc:Choice>
-    <mc:Fallback>
+    <mc:Fallback xmlns="">
       <p:transition spd="slow">
         <p:fade/>
       </p:transition>
@@ -4863,13 +4863,13 @@
   <p:clrMapOvr>
     <a:masterClrMapping/>
   </p:clrMapOvr>
-  <mc:AlternateContent xmlns:mc="http://schemas.openxmlformats.org/markup-compatibility/2006">
-    <mc:Choice xmlns:p14="http://schemas.microsoft.com/office/powerpoint/2010/main" Requires="p14">
+  <mc:AlternateContent xmlns:mc="http://schemas.openxmlformats.org/markup-compatibility/2006" xmlns:p14="http://schemas.microsoft.com/office/powerpoint/2010/main">
+    <mc:Choice Requires="p14">
       <p:transition spd="slow" p14:dur="2500">
         <p:checker/>
       </p:transition>
     </mc:Choice>
-    <mc:Fallback>
+    <mc:Fallback xmlns="">
       <p:transition spd="slow">
         <p:checker/>
       </p:transition>
@@ -4997,13 +4997,13 @@
   <p:clrMapOvr>
     <a:masterClrMapping/>
   </p:clrMapOvr>
-  <mc:AlternateContent xmlns:mc="http://schemas.openxmlformats.org/markup-compatibility/2006">
-    <mc:Choice xmlns:p14="http://schemas.microsoft.com/office/powerpoint/2010/main" Requires="p14">
+  <mc:AlternateContent xmlns:mc="http://schemas.openxmlformats.org/markup-compatibility/2006" xmlns:p14="http://schemas.microsoft.com/office/powerpoint/2010/main">
+    <mc:Choice Requires="p14">
       <p:transition spd="slow" p14:dur="1500">
         <p14:window dir="vert"/>
       </p:transition>
     </mc:Choice>
-    <mc:Fallback>
+    <mc:Fallback xmlns="">
       <p:transition spd="slow">
         <p:fade/>
       </p:transition>
@@ -5436,25 +5436,6 @@
           </a:p>
         </p:txBody>
       </p:sp>
-      <p:sp>
-        <p:nvSpPr>
-          <p:cNvPr id="3" name="Объект 2"/>
-          <p:cNvSpPr>
-            <a:spLocks noGrp="1"/>
-          </p:cNvSpPr>
-          <p:nvPr>
-            <p:ph idx="1"/>
-          </p:nvPr>
-        </p:nvSpPr>
-        <p:spPr/>
-        <p:txBody>
-          <a:bodyPr/>
-          <a:lstStyle/>
-          <a:p>
-            <a:endParaRPr lang="ru-RU"/>
-          </a:p>
-        </p:txBody>
-      </p:sp>
       <p:pic>
         <p:nvPicPr>
           <p:cNvPr id="6146" name="Picture 2" descr="C:\Users\Клеверок\Desktop\My_Works\PhotoShop\Present_CoursePr.jpg"/>
@@ -5494,6 +5475,35 @@
               </a14:hiddenFill>
             </a:ext>
           </a:extLst>
+        </p:spPr>
+      </p:pic>
+      <p:pic>
+        <p:nvPicPr>
+          <p:cNvPr id="4" name="Объект 3"/>
+          <p:cNvPicPr>
+            <a:picLocks noGrp="1" noChangeAspect="1"/>
+          </p:cNvPicPr>
+          <p:nvPr>
+            <p:ph idx="1"/>
+          </p:nvPr>
+        </p:nvPicPr>
+        <p:blipFill>
+          <a:blip r:embed="rId3">
+            <a:extLst>
+              <a:ext uri="{28A0092B-C50C-407E-A947-70E740481C1C}">
+                <a14:useLocalDpi xmlns:a14="http://schemas.microsoft.com/office/drawing/2010/main" val="0"/>
+              </a:ext>
+            </a:extLst>
+          </a:blip>
+          <a:stretch>
+            <a:fillRect/>
+          </a:stretch>
+        </p:blipFill>
+        <p:spPr>
+          <a:xfrm>
+            <a:off x="3923928" y="1412776"/>
+            <a:ext cx="4896544" cy="2889046"/>
+          </a:xfrm>
         </p:spPr>
       </p:pic>
     </p:spTree>
